--- a/week_5/발표자료/이미미_발표자료_200114.pptx
+++ b/week_5/발표자료/이미미_발표자료_200114.pptx
@@ -151,12 +151,37 @@
 <p1510:revInfo xmlns:a="http://schemas.openxmlformats.org/drawingml/2006/main" xmlns:r="http://schemas.openxmlformats.org/officeDocument/2006/relationships" xmlns:p1510="http://schemas.microsoft.com/office/powerpoint/2015/10/main">
   <p1510:revLst>
     <p1510:client id="{D040C9DA-023E-437F-85EF-97DAAEDFF4F1}" v="1007" dt="2020-01-13T06:47:07.819"/>
+    <p1510:client id="{A33DA65D-4FFD-4042-AD6D-2073667DEC7C}" v="1" dt="2020-01-14T03:24:35.094"/>
   </p1510:revLst>
 </p1510:revInfo>
 </file>
 
 <file path=ppt/changesInfos/changesInfo1.xml><?xml version="1.0" encoding="utf-8"?>
 <pc:chgInfo xmlns:a="http://schemas.openxmlformats.org/drawingml/2006/main" xmlns:r="http://schemas.openxmlformats.org/officeDocument/2006/relationships" xmlns:ac="http://schemas.microsoft.com/office/drawing/2013/main/command" xmlns:pc="http://schemas.microsoft.com/office/powerpoint/2013/main/command">
+  <pc:docChgLst>
+    <pc:chgData name="이 미미" userId="100a6bdb93b108e3" providerId="LiveId" clId="{A33DA65D-4FFD-4042-AD6D-2073667DEC7C}"/>
+    <pc:docChg chg="custSel modSld">
+      <pc:chgData name="이 미미" userId="100a6bdb93b108e3" providerId="LiveId" clId="{A33DA65D-4FFD-4042-AD6D-2073667DEC7C}" dt="2020-01-14T03:24:35.094" v="4" actId="207"/>
+      <pc:docMkLst>
+        <pc:docMk/>
+      </pc:docMkLst>
+      <pc:sldChg chg="modSp">
+        <pc:chgData name="이 미미" userId="100a6bdb93b108e3" providerId="LiveId" clId="{A33DA65D-4FFD-4042-AD6D-2073667DEC7C}" dt="2020-01-14T03:24:35.094" v="4" actId="207"/>
+        <pc:sldMkLst>
+          <pc:docMk/>
+          <pc:sldMk cId="1127298280" sldId="274"/>
+        </pc:sldMkLst>
+        <pc:spChg chg="mod">
+          <ac:chgData name="이 미미" userId="100a6bdb93b108e3" providerId="LiveId" clId="{A33DA65D-4FFD-4042-AD6D-2073667DEC7C}" dt="2020-01-14T03:24:35.094" v="4" actId="207"/>
+          <ac:spMkLst>
+            <pc:docMk/>
+            <pc:sldMk cId="1127298280" sldId="274"/>
+            <ac:spMk id="16" creationId="{CD97699A-6FC7-491A-9855-43C9A4861C3A}"/>
+          </ac:spMkLst>
+        </pc:spChg>
+      </pc:sldChg>
+    </pc:docChg>
+  </pc:docChgLst>
   <pc:docChgLst>
     <pc:chgData name="이 미미" userId="100a6bdb93b108e3" providerId="LiveId" clId="{6C2163B6-5EA7-489A-96BC-66B1925F9EAD}"/>
     <pc:docChg chg="custSel addSld delSld modSld">
@@ -398,35 +423,6 @@
             <ac:picMk id="9" creationId="{07B89E07-5A32-440E-BFED-D07941098D4A}"/>
           </ac:picMkLst>
         </pc:picChg>
-      </pc:sldChg>
-      <pc:sldChg chg="addSp del">
-        <pc:chgData name="이 미미" userId="100a6bdb93b108e3" providerId="LiveId" clId="{D040C9DA-023E-437F-85EF-97DAAEDFF4F1}" dt="2020-01-12T17:03:47.758" v="4101" actId="2696"/>
-        <pc:sldMkLst>
-          <pc:docMk/>
-          <pc:sldMk cId="1577902860" sldId="259"/>
-        </pc:sldMkLst>
-        <pc:picChg chg="add">
-          <ac:chgData name="이 미미" userId="100a6bdb93b108e3" providerId="LiveId" clId="{D040C9DA-023E-437F-85EF-97DAAEDFF4F1}" dt="2020-01-12T06:54:35.180" v="1"/>
-          <ac:picMkLst>
-            <pc:docMk/>
-            <pc:sldMk cId="1577902860" sldId="259"/>
-            <ac:picMk id="4" creationId="{7C181622-8C16-4FBE-9BE6-9B174722711F}"/>
-          </ac:picMkLst>
-        </pc:picChg>
-      </pc:sldChg>
-      <pc:sldChg chg="del">
-        <pc:chgData name="이 미미" userId="100a6bdb93b108e3" providerId="LiveId" clId="{D040C9DA-023E-437F-85EF-97DAAEDFF4F1}" dt="2020-01-12T17:03:48.028" v="4102" actId="2696"/>
-        <pc:sldMkLst>
-          <pc:docMk/>
-          <pc:sldMk cId="3153681790" sldId="260"/>
-        </pc:sldMkLst>
-      </pc:sldChg>
-      <pc:sldChg chg="del">
-        <pc:chgData name="이 미미" userId="100a6bdb93b108e3" providerId="LiveId" clId="{D040C9DA-023E-437F-85EF-97DAAEDFF4F1}" dt="2020-01-12T17:03:48.767" v="4103" actId="2696"/>
-        <pc:sldMkLst>
-          <pc:docMk/>
-          <pc:sldMk cId="4046223140" sldId="261"/>
-        </pc:sldMkLst>
       </pc:sldChg>
       <pc:sldChg chg="addSp delSp modSp add modAnim">
         <pc:chgData name="이 미미" userId="100a6bdb93b108e3" providerId="LiveId" clId="{D040C9DA-023E-437F-85EF-97DAAEDFF4F1}" dt="2020-01-12T16:58:20.516" v="4052" actId="20577"/>
@@ -1204,45 +1200,6 @@
           </ac:cxnSpMkLst>
         </pc:cxnChg>
       </pc:sldChg>
-      <pc:sldChg chg="addSp delSp modSp add del ord">
-        <pc:chgData name="이 미미" userId="100a6bdb93b108e3" providerId="LiveId" clId="{D040C9DA-023E-437F-85EF-97DAAEDFF4F1}" dt="2020-01-12T08:47:48.923" v="1336" actId="2696"/>
-        <pc:sldMkLst>
-          <pc:docMk/>
-          <pc:sldMk cId="3787925000" sldId="270"/>
-        </pc:sldMkLst>
-        <pc:spChg chg="mod">
-          <ac:chgData name="이 미미" userId="100a6bdb93b108e3" providerId="LiveId" clId="{D040C9DA-023E-437F-85EF-97DAAEDFF4F1}" dt="2020-01-12T08:45:06.486" v="1227" actId="20577"/>
-          <ac:spMkLst>
-            <pc:docMk/>
-            <pc:sldMk cId="3787925000" sldId="270"/>
-            <ac:spMk id="2" creationId="{53CC4E4D-C5E4-4308-8B91-D1F07D443574}"/>
-          </ac:spMkLst>
-        </pc:spChg>
-        <pc:spChg chg="del">
-          <ac:chgData name="이 미미" userId="100a6bdb93b108e3" providerId="LiveId" clId="{D040C9DA-023E-437F-85EF-97DAAEDFF4F1}" dt="2020-01-12T08:45:01.731" v="1213"/>
-          <ac:spMkLst>
-            <pc:docMk/>
-            <pc:sldMk cId="3787925000" sldId="270"/>
-            <ac:spMk id="3" creationId="{76A29DBF-6699-4D89-81B3-5E355C568E40}"/>
-          </ac:spMkLst>
-        </pc:spChg>
-        <pc:spChg chg="add mod">
-          <ac:chgData name="이 미미" userId="100a6bdb93b108e3" providerId="LiveId" clId="{D040C9DA-023E-437F-85EF-97DAAEDFF4F1}" dt="2020-01-12T08:46:53.878" v="1297"/>
-          <ac:spMkLst>
-            <pc:docMk/>
-            <pc:sldMk cId="3787925000" sldId="270"/>
-            <ac:spMk id="5" creationId="{6819DC15-97B7-4B5D-8FBB-FE2350BA2DFE}"/>
-          </ac:spMkLst>
-        </pc:spChg>
-        <pc:picChg chg="add mod">
-          <ac:chgData name="이 미미" userId="100a6bdb93b108e3" providerId="LiveId" clId="{D040C9DA-023E-437F-85EF-97DAAEDFF4F1}" dt="2020-01-12T08:45:13.667" v="1228" actId="1076"/>
-          <ac:picMkLst>
-            <pc:docMk/>
-            <pc:sldMk cId="3787925000" sldId="270"/>
-            <ac:picMk id="4" creationId="{E0A1CDFC-68E1-4B7E-B854-F2EBB2A9383E}"/>
-          </ac:picMkLst>
-        </pc:picChg>
-      </pc:sldChg>
       <pc:sldChg chg="addSp delSp modSp add modNotesTx">
         <pc:chgData name="이 미미" userId="100a6bdb93b108e3" providerId="LiveId" clId="{D040C9DA-023E-437F-85EF-97DAAEDFF4F1}" dt="2020-01-12T16:24:19.931" v="2534" actId="1076"/>
         <pc:sldMkLst>
@@ -1791,37 +1748,6 @@
           </ac:cxnSpMkLst>
         </pc:cxnChg>
       </pc:sldChg>
-      <pc:sldChg chg="addSp delSp modSp add del modNotesTx">
-        <pc:chgData name="이 미미" userId="100a6bdb93b108e3" providerId="LiveId" clId="{D040C9DA-023E-437F-85EF-97DAAEDFF4F1}" dt="2020-01-12T16:13:32.071" v="2180" actId="2696"/>
-        <pc:sldMkLst>
-          <pc:docMk/>
-          <pc:sldMk cId="3971223696" sldId="274"/>
-        </pc:sldMkLst>
-        <pc:spChg chg="mod">
-          <ac:chgData name="이 미미" userId="100a6bdb93b108e3" providerId="LiveId" clId="{D040C9DA-023E-437F-85EF-97DAAEDFF4F1}" dt="2020-01-12T16:12:31.672" v="2116" actId="20577"/>
-          <ac:spMkLst>
-            <pc:docMk/>
-            <pc:sldMk cId="3971223696" sldId="274"/>
-            <ac:spMk id="2" creationId="{EFA77EE9-124F-43A8-B909-29197522AF89}"/>
-          </ac:spMkLst>
-        </pc:spChg>
-        <pc:spChg chg="del">
-          <ac:chgData name="이 미미" userId="100a6bdb93b108e3" providerId="LiveId" clId="{D040C9DA-023E-437F-85EF-97DAAEDFF4F1}" dt="2020-01-12T16:12:45.980" v="2119" actId="478"/>
-          <ac:spMkLst>
-            <pc:docMk/>
-            <pc:sldMk cId="3971223696" sldId="274"/>
-            <ac:spMk id="3" creationId="{A208802C-4D0D-4D3A-A7B1-97C6B993688D}"/>
-          </ac:spMkLst>
-        </pc:spChg>
-        <pc:picChg chg="add mod">
-          <ac:chgData name="이 미미" userId="100a6bdb93b108e3" providerId="LiveId" clId="{D040C9DA-023E-437F-85EF-97DAAEDFF4F1}" dt="2020-01-12T16:12:54.183" v="2122" actId="1076"/>
-          <ac:picMkLst>
-            <pc:docMk/>
-            <pc:sldMk cId="3971223696" sldId="274"/>
-            <ac:picMk id="4" creationId="{7D1F1922-6D35-4C2B-B8DD-50240BFF0E1F}"/>
-          </ac:picMkLst>
-        </pc:picChg>
-      </pc:sldChg>
       <pc:sldChg chg="addSp delSp modSp add modAnim modNotesTx">
         <pc:chgData name="이 미미" userId="100a6bdb93b108e3" providerId="LiveId" clId="{D040C9DA-023E-437F-85EF-97DAAEDFF4F1}" dt="2020-01-12T16:49:26.656" v="3627"/>
         <pc:sldMkLst>
@@ -2324,117 +2250,6 @@
           </ac:spMkLst>
         </pc:spChg>
       </pc:sldChg>
-      <pc:sldChg chg="addSp modSp add del">
-        <pc:chgData name="이 미미" userId="100a6bdb93b108e3" providerId="LiveId" clId="{D040C9DA-023E-437F-85EF-97DAAEDFF4F1}" dt="2020-01-12T16:54:51.135" v="3924" actId="2696"/>
-        <pc:sldMkLst>
-          <pc:docMk/>
-          <pc:sldMk cId="4192611506" sldId="276"/>
-        </pc:sldMkLst>
-        <pc:spChg chg="mod">
-          <ac:chgData name="이 미미" userId="100a6bdb93b108e3" providerId="LiveId" clId="{D040C9DA-023E-437F-85EF-97DAAEDFF4F1}" dt="2020-01-12T16:49:50.890" v="3635" actId="20577"/>
-          <ac:spMkLst>
-            <pc:docMk/>
-            <pc:sldMk cId="4192611506" sldId="276"/>
-            <ac:spMk id="2" creationId="{AD538C76-A48A-4F4B-9C56-1E7EF45DF27A}"/>
-          </ac:spMkLst>
-        </pc:spChg>
-        <pc:spChg chg="mod">
-          <ac:chgData name="이 미미" userId="100a6bdb93b108e3" providerId="LiveId" clId="{D040C9DA-023E-437F-85EF-97DAAEDFF4F1}" dt="2020-01-12T16:51:49.608" v="3680" actId="1076"/>
-          <ac:spMkLst>
-            <pc:docMk/>
-            <pc:sldMk cId="4192611506" sldId="276"/>
-            <ac:spMk id="3" creationId="{EDD44965-0499-44E7-97DE-FCC7B27C827B}"/>
-          </ac:spMkLst>
-        </pc:spChg>
-        <pc:spChg chg="add mod">
-          <ac:chgData name="이 미미" userId="100a6bdb93b108e3" providerId="LiveId" clId="{D040C9DA-023E-437F-85EF-97DAAEDFF4F1}" dt="2020-01-12T16:53:41.888" v="3870" actId="1076"/>
-          <ac:spMkLst>
-            <pc:docMk/>
-            <pc:sldMk cId="4192611506" sldId="276"/>
-            <ac:spMk id="4" creationId="{0AAEFD44-35BE-4F0B-8251-8341496841EC}"/>
-          </ac:spMkLst>
-        </pc:spChg>
-        <pc:spChg chg="add mod">
-          <ac:chgData name="이 미미" userId="100a6bdb93b108e3" providerId="LiveId" clId="{D040C9DA-023E-437F-85EF-97DAAEDFF4F1}" dt="2020-01-12T16:52:14.726" v="3694" actId="20577"/>
-          <ac:spMkLst>
-            <pc:docMk/>
-            <pc:sldMk cId="4192611506" sldId="276"/>
-            <ac:spMk id="5" creationId="{17EC0BA0-6FD7-4E6A-A51A-FC484AA556A4}"/>
-          </ac:spMkLst>
-        </pc:spChg>
-        <pc:spChg chg="add mod">
-          <ac:chgData name="이 미미" userId="100a6bdb93b108e3" providerId="LiveId" clId="{D040C9DA-023E-437F-85EF-97DAAEDFF4F1}" dt="2020-01-12T16:52:06.491" v="3687" actId="20577"/>
-          <ac:spMkLst>
-            <pc:docMk/>
-            <pc:sldMk cId="4192611506" sldId="276"/>
-            <ac:spMk id="6" creationId="{BB309CB5-9525-45E0-B419-C6726F21F4EB}"/>
-          </ac:spMkLst>
-        </pc:spChg>
-        <pc:spChg chg="add mod">
-          <ac:chgData name="이 미미" userId="100a6bdb93b108e3" providerId="LiveId" clId="{D040C9DA-023E-437F-85EF-97DAAEDFF4F1}" dt="2020-01-12T16:52:10.494" v="3691" actId="20577"/>
-          <ac:spMkLst>
-            <pc:docMk/>
-            <pc:sldMk cId="4192611506" sldId="276"/>
-            <ac:spMk id="7" creationId="{F91805F9-664C-4C3A-B58F-4DF6A321B7F1}"/>
-          </ac:spMkLst>
-        </pc:spChg>
-        <pc:spChg chg="add mod">
-          <ac:chgData name="이 미미" userId="100a6bdb93b108e3" providerId="LiveId" clId="{D040C9DA-023E-437F-85EF-97DAAEDFF4F1}" dt="2020-01-12T16:52:47.552" v="3700" actId="1076"/>
-          <ac:spMkLst>
-            <pc:docMk/>
-            <pc:sldMk cId="4192611506" sldId="276"/>
-            <ac:spMk id="8" creationId="{481B90E8-06D0-4377-A33A-BBD77559467A}"/>
-          </ac:spMkLst>
-        </pc:spChg>
-        <pc:spChg chg="add mod">
-          <ac:chgData name="이 미미" userId="100a6bdb93b108e3" providerId="LiveId" clId="{D040C9DA-023E-437F-85EF-97DAAEDFF4F1}" dt="2020-01-12T16:52:59.075" v="3835" actId="20577"/>
-          <ac:spMkLst>
-            <pc:docMk/>
-            <pc:sldMk cId="4192611506" sldId="276"/>
-            <ac:spMk id="9" creationId="{81F91126-330F-46DE-AE2D-679736EE5E92}"/>
-          </ac:spMkLst>
-        </pc:spChg>
-        <pc:cxnChg chg="add mod">
-          <ac:chgData name="이 미미" userId="100a6bdb93b108e3" providerId="LiveId" clId="{D040C9DA-023E-437F-85EF-97DAAEDFF4F1}" dt="2020-01-12T16:53:41.888" v="3870" actId="1076"/>
-          <ac:cxnSpMkLst>
-            <pc:docMk/>
-            <pc:sldMk cId="4192611506" sldId="276"/>
-            <ac:cxnSpMk id="11" creationId="{C5780B61-6675-4D59-9611-0997750B3942}"/>
-          </ac:cxnSpMkLst>
-        </pc:cxnChg>
-        <pc:cxnChg chg="add mod">
-          <ac:chgData name="이 미미" userId="100a6bdb93b108e3" providerId="LiveId" clId="{D040C9DA-023E-437F-85EF-97DAAEDFF4F1}" dt="2020-01-12T16:54:17.650" v="3921" actId="1038"/>
-          <ac:cxnSpMkLst>
-            <pc:docMk/>
-            <pc:sldMk cId="4192611506" sldId="276"/>
-            <ac:cxnSpMk id="12" creationId="{366DD35E-78D9-4FB7-AE53-6DDB1ECBA6EF}"/>
-          </ac:cxnSpMkLst>
-        </pc:cxnChg>
-        <pc:cxnChg chg="add mod">
-          <ac:chgData name="이 미미" userId="100a6bdb93b108e3" providerId="LiveId" clId="{D040C9DA-023E-437F-85EF-97DAAEDFF4F1}" dt="2020-01-12T16:53:50.680" v="3873" actId="14100"/>
-          <ac:cxnSpMkLst>
-            <pc:docMk/>
-            <pc:sldMk cId="4192611506" sldId="276"/>
-            <ac:cxnSpMk id="14" creationId="{F99D8BF4-C9A8-4003-BCCC-BD4AF70B8C0E}"/>
-          </ac:cxnSpMkLst>
-        </pc:cxnChg>
-        <pc:cxnChg chg="add mod">
-          <ac:chgData name="이 미미" userId="100a6bdb93b108e3" providerId="LiveId" clId="{D040C9DA-023E-437F-85EF-97DAAEDFF4F1}" dt="2020-01-12T16:53:59.333" v="3903" actId="1076"/>
-          <ac:cxnSpMkLst>
-            <pc:docMk/>
-            <pc:sldMk cId="4192611506" sldId="276"/>
-            <ac:cxnSpMk id="18" creationId="{B1C20843-4AE9-4DF0-8B5A-2C81C349BE3D}"/>
-          </ac:cxnSpMkLst>
-        </pc:cxnChg>
-        <pc:cxnChg chg="add mod">
-          <ac:chgData name="이 미미" userId="100a6bdb93b108e3" providerId="LiveId" clId="{D040C9DA-023E-437F-85EF-97DAAEDFF4F1}" dt="2020-01-12T16:54:33.048" v="3923" actId="1076"/>
-          <ac:cxnSpMkLst>
-            <pc:docMk/>
-            <pc:sldMk cId="4192611506" sldId="276"/>
-            <ac:cxnSpMk id="21" creationId="{567A3159-7347-4CAB-95FA-664C175528CE}"/>
-          </ac:cxnSpMkLst>
-        </pc:cxnChg>
-      </pc:sldChg>
       <pc:sldChg chg="addSp modSp add">
         <pc:chgData name="이 미미" userId="100a6bdb93b108e3" providerId="LiveId" clId="{D040C9DA-023E-437F-85EF-97DAAEDFF4F1}" dt="2020-01-12T17:03:11.716" v="4091" actId="14100"/>
         <pc:sldMkLst>
@@ -2526,13 +2341,6 @@
             <ac:spMk id="3" creationId="{3C85A298-9554-44F9-AF2E-E607A2D2D21F}"/>
           </ac:spMkLst>
         </pc:spChg>
-      </pc:sldChg>
-      <pc:sldChg chg="add del">
-        <pc:chgData name="이 미미" userId="100a6bdb93b108e3" providerId="LiveId" clId="{D040C9DA-023E-437F-85EF-97DAAEDFF4F1}" dt="2020-01-12T17:03:47.341" v="4100" actId="2696"/>
-        <pc:sldMkLst>
-          <pc:docMk/>
-          <pc:sldMk cId="2264416239" sldId="280"/>
-        </pc:sldMkLst>
       </pc:sldChg>
       <pc:sldChg chg="add">
         <pc:chgData name="이 미미" userId="100a6bdb93b108e3" providerId="LiveId" clId="{D040C9DA-023E-437F-85EF-97DAAEDFF4F1}" dt="2020-01-13T06:47:07.810" v="4287"/>
@@ -2637,7 +2445,7 @@
               <a:pPr lvl="0">
                 <a:defRPr/>
               </a:pPr>
-              <a:t>2020-01-13</a:t>
+              <a:t>2020-01-14</a:t>
             </a:fld>
             <a:endParaRPr lang="ko-KR" altLang="en-US"/>
           </a:p>
@@ -13043,8 +12851,8 @@
           </p:nvSpPr>
           <p:spPr>
             <a:xfrm>
-              <a:off x="2766678" y="4938796"/>
-              <a:ext cx="461579" cy="461665"/>
+              <a:off x="2428246" y="4938796"/>
+              <a:ext cx="800011" cy="461665"/>
             </a:xfrm>
             <a:prstGeom prst="rect">
               <a:avLst/>
@@ -13058,8 +12866,16 @@
             <a:lstStyle/>
             <a:p>
               <a:r>
+                <a:rPr lang="en-US" altLang="ko-KR" sz="2400" b="1" dirty="0">
+                  <a:solidFill>
+                    <a:srgbClr val="0070C0"/>
+                  </a:solidFill>
+                </a:rPr>
+                <a:t>B</a:t>
+              </a:r>
+              <a:r>
                 <a:rPr lang="en-US" altLang="ko-KR" sz="2400" b="1" dirty="0"/>
-                <a:t>b</a:t>
+                <a:t>=3</a:t>
               </a:r>
               <a:endParaRPr lang="ko-KR" altLang="en-US" sz="2400" b="1" dirty="0"/>
             </a:p>
